--- a/Java8/Lambda/Lambda Expressions.pptx
+++ b/Java8/Lambda/Lambda Expressions.pptx
@@ -110,6 +110,11 @@
       </a:defRPr>
     </a:lvl9pPr>
   </p:defaultTextStyle>
+  <p:extLst>
+    <p:ext uri="{EFAFB233-063F-42B5-8137-9DF3F51BA10A}">
+      <p15:sldGuideLst xmlns:p15="http://schemas.microsoft.com/office/powerpoint/2012/main"/>
+    </p:ext>
+  </p:extLst>
 </p:presentation>
 </file>
 
@@ -262,7 +267,7 @@
           <a:p>
             <a:fld id="{494BBDEA-4558-4660-B642-0EB228AEEFBD}" type="datetimeFigureOut">
               <a:rPr lang="en-IN" smtClean="0"/>
-              <a:t>15-10-2021</a:t>
+              <a:t>16-10-2021</a:t>
             </a:fld>
             <a:endParaRPr lang="en-IN"/>
           </a:p>
@@ -462,7 +467,7 @@
           <a:p>
             <a:fld id="{494BBDEA-4558-4660-B642-0EB228AEEFBD}" type="datetimeFigureOut">
               <a:rPr lang="en-IN" smtClean="0"/>
-              <a:t>15-10-2021</a:t>
+              <a:t>16-10-2021</a:t>
             </a:fld>
             <a:endParaRPr lang="en-IN"/>
           </a:p>
@@ -672,7 +677,7 @@
           <a:p>
             <a:fld id="{494BBDEA-4558-4660-B642-0EB228AEEFBD}" type="datetimeFigureOut">
               <a:rPr lang="en-IN" smtClean="0"/>
-              <a:t>15-10-2021</a:t>
+              <a:t>16-10-2021</a:t>
             </a:fld>
             <a:endParaRPr lang="en-IN"/>
           </a:p>
@@ -872,7 +877,7 @@
           <a:p>
             <a:fld id="{494BBDEA-4558-4660-B642-0EB228AEEFBD}" type="datetimeFigureOut">
               <a:rPr lang="en-IN" smtClean="0"/>
-              <a:t>15-10-2021</a:t>
+              <a:t>16-10-2021</a:t>
             </a:fld>
             <a:endParaRPr lang="en-IN"/>
           </a:p>
@@ -1148,7 +1153,7 @@
           <a:p>
             <a:fld id="{494BBDEA-4558-4660-B642-0EB228AEEFBD}" type="datetimeFigureOut">
               <a:rPr lang="en-IN" smtClean="0"/>
-              <a:t>15-10-2021</a:t>
+              <a:t>16-10-2021</a:t>
             </a:fld>
             <a:endParaRPr lang="en-IN"/>
           </a:p>
@@ -1416,7 +1421,7 @@
           <a:p>
             <a:fld id="{494BBDEA-4558-4660-B642-0EB228AEEFBD}" type="datetimeFigureOut">
               <a:rPr lang="en-IN" smtClean="0"/>
-              <a:t>15-10-2021</a:t>
+              <a:t>16-10-2021</a:t>
             </a:fld>
             <a:endParaRPr lang="en-IN"/>
           </a:p>
@@ -1831,7 +1836,7 @@
           <a:p>
             <a:fld id="{494BBDEA-4558-4660-B642-0EB228AEEFBD}" type="datetimeFigureOut">
               <a:rPr lang="en-IN" smtClean="0"/>
-              <a:t>15-10-2021</a:t>
+              <a:t>16-10-2021</a:t>
             </a:fld>
             <a:endParaRPr lang="en-IN"/>
           </a:p>
@@ -1973,7 +1978,7 @@
           <a:p>
             <a:fld id="{494BBDEA-4558-4660-B642-0EB228AEEFBD}" type="datetimeFigureOut">
               <a:rPr lang="en-IN" smtClean="0"/>
-              <a:t>15-10-2021</a:t>
+              <a:t>16-10-2021</a:t>
             </a:fld>
             <a:endParaRPr lang="en-IN"/>
           </a:p>
@@ -2086,7 +2091,7 @@
           <a:p>
             <a:fld id="{494BBDEA-4558-4660-B642-0EB228AEEFBD}" type="datetimeFigureOut">
               <a:rPr lang="en-IN" smtClean="0"/>
-              <a:t>15-10-2021</a:t>
+              <a:t>16-10-2021</a:t>
             </a:fld>
             <a:endParaRPr lang="en-IN"/>
           </a:p>
@@ -2399,7 +2404,7 @@
           <a:p>
             <a:fld id="{494BBDEA-4558-4660-B642-0EB228AEEFBD}" type="datetimeFigureOut">
               <a:rPr lang="en-IN" smtClean="0"/>
-              <a:t>15-10-2021</a:t>
+              <a:t>16-10-2021</a:t>
             </a:fld>
             <a:endParaRPr lang="en-IN"/>
           </a:p>
@@ -2688,7 +2693,7 @@
           <a:p>
             <a:fld id="{494BBDEA-4558-4660-B642-0EB228AEEFBD}" type="datetimeFigureOut">
               <a:rPr lang="en-IN" smtClean="0"/>
-              <a:t>15-10-2021</a:t>
+              <a:t>16-10-2021</a:t>
             </a:fld>
             <a:endParaRPr lang="en-IN"/>
           </a:p>
@@ -2931,7 +2936,7 @@
           <a:p>
             <a:fld id="{494BBDEA-4558-4660-B642-0EB228AEEFBD}" type="datetimeFigureOut">
               <a:rPr lang="en-IN" smtClean="0"/>
-              <a:t>15-10-2021</a:t>
+              <a:t>16-10-2021</a:t>
             </a:fld>
             <a:endParaRPr lang="en-IN"/>
           </a:p>
@@ -7335,7 +7340,7 @@
             </a:r>
             <a:r>
               <a:rPr lang="en-US"/>
-              <a:t>gives something</a:t>
+              <a:t>gives something.</a:t>
             </a:r>
             <a:endParaRPr lang="en-US" dirty="0"/>
           </a:p>

--- a/Java8/Lambda/Lambda Expressions.pptx
+++ b/Java8/Lambda/Lambda Expressions.pptx
@@ -7340,7 +7340,7 @@
             </a:r>
             <a:r>
               <a:rPr lang="en-US"/>
-              <a:t>gives something.</a:t>
+              <a:t>gives something..</a:t>
             </a:r>
             <a:endParaRPr lang="en-US" dirty="0"/>
           </a:p>

--- a/Java8/Lambda/Lambda Expressions.pptx
+++ b/Java8/Lambda/Lambda Expressions.pptx
@@ -7336,11 +7336,11 @@
           <a:p>
             <a:r>
               <a:rPr lang="en-US" dirty="0"/>
-              <a:t>4.Function:   Takes something and </a:t>
+              <a:t>4.Function:   Takes something and gives something.. </a:t>
             </a:r>
             <a:r>
               <a:rPr lang="en-US"/>
-              <a:t>gives something..</a:t>
+              <a:t>hello</a:t>
             </a:r>
             <a:endParaRPr lang="en-US" dirty="0"/>
           </a:p>

--- a/Java8/Lambda/Lambda Expressions.pptx
+++ b/Java8/Lambda/Lambda Expressions.pptx
@@ -12,6 +12,8 @@
     <p:sldId id="260" r:id="rId6"/>
     <p:sldId id="261" r:id="rId7"/>
     <p:sldId id="262" r:id="rId8"/>
+    <p:sldId id="263" r:id="rId9"/>
+    <p:sldId id="264" r:id="rId10"/>
   </p:sldIdLst>
   <p:sldSz cx="12192000" cy="6858000"/>
   <p:notesSz cx="6858000" cy="9144000"/>
@@ -7318,31 +7320,74 @@
           <a:p>
             <a:r>
               <a:rPr lang="en-US" dirty="0"/>
-              <a:t>1.Supplier: Takes nothing, gives something ( T get method)</a:t>
-            </a:r>
-          </a:p>
-          <a:p>
+              <a:t>1.</a:t>
+            </a:r>
+            <a:r>
+              <a:rPr lang="en-US" dirty="0">
+                <a:solidFill>
+                  <a:srgbClr val="FF0000"/>
+                </a:solidFill>
+              </a:rPr>
+              <a:t>Supplier</a:t>
+            </a:r>
             <a:r>
               <a:rPr lang="en-US" dirty="0"/>
-              <a:t>2.Consumer: Takes something, gives nothing( accept(T) method)</a:t>
+              <a:t>: Takes nothing, gives something ( T get method)</a:t>
             </a:r>
           </a:p>
           <a:p>
             <a:r>
               <a:rPr lang="en-US" dirty="0"/>
-              <a:t>3.Predicate: Test things and return Boolean. ( Boolean test(T..) method)</a:t>
-            </a:r>
-          </a:p>
-          <a:p>
+              <a:t>2.</a:t>
+            </a:r>
+            <a:r>
+              <a:rPr lang="en-US" dirty="0">
+                <a:solidFill>
+                  <a:srgbClr val="FF0000"/>
+                </a:solidFill>
+              </a:rPr>
+              <a:t>Consumer</a:t>
+            </a:r>
             <a:r>
               <a:rPr lang="en-US" dirty="0"/>
-              <a:t>4.Function:   Takes something and gives something.. </a:t>
-            </a:r>
-            <a:r>
-              <a:rPr lang="en-US"/>
-              <a:t>hello</a:t>
-            </a:r>
-            <a:endParaRPr lang="en-US" dirty="0"/>
+              <a:t>: Takes something, gives nothing( accept(T) method)</a:t>
+            </a:r>
+          </a:p>
+          <a:p>
+            <a:r>
+              <a:rPr lang="en-US" dirty="0"/>
+              <a:t>3.</a:t>
+            </a:r>
+            <a:r>
+              <a:rPr lang="en-US" dirty="0">
+                <a:solidFill>
+                  <a:srgbClr val="FF0000"/>
+                </a:solidFill>
+              </a:rPr>
+              <a:t>Predicate</a:t>
+            </a:r>
+            <a:r>
+              <a:rPr lang="en-US" dirty="0"/>
+              <a:t>: Test things and return Boolean. ( Boolean test(T..) method)</a:t>
+            </a:r>
+          </a:p>
+          <a:p>
+            <a:r>
+              <a:rPr lang="en-US" dirty="0"/>
+              <a:t>4.</a:t>
+            </a:r>
+            <a:r>
+              <a:rPr lang="en-US" dirty="0">
+                <a:solidFill>
+                  <a:srgbClr val="FF0000"/>
+                </a:solidFill>
+              </a:rPr>
+              <a:t>Function</a:t>
+            </a:r>
+            <a:r>
+              <a:rPr lang="en-US" dirty="0"/>
+              <a:t>:   Takes something and gives something.. hello</a:t>
+            </a:r>
           </a:p>
           <a:p>
             <a:endParaRPr lang="en-IN" dirty="0"/>
@@ -7359,6 +7404,1374 @@
   <p:clrMapOvr>
     <a:masterClrMapping/>
   </p:clrMapOvr>
+</p:sld>
+</file>
+
+<file path=ppt/slides/slide8.xml><?xml version="1.0" encoding="utf-8"?>
+<p:sld xmlns:a="http://schemas.openxmlformats.org/drawingml/2006/main" xmlns:r="http://schemas.openxmlformats.org/officeDocument/2006/relationships" xmlns:p="http://schemas.openxmlformats.org/presentationml/2006/main">
+  <p:cSld>
+    <p:spTree>
+      <p:nvGrpSpPr>
+        <p:cNvPr id="1" name=""/>
+        <p:cNvGrpSpPr/>
+        <p:nvPr/>
+      </p:nvGrpSpPr>
+      <p:grpSpPr>
+        <a:xfrm>
+          <a:off x="0" y="0"/>
+          <a:ext cx="0" cy="0"/>
+          <a:chOff x="0" y="0"/>
+          <a:chExt cx="0" cy="0"/>
+        </a:xfrm>
+      </p:grpSpPr>
+      <p:sp>
+        <p:nvSpPr>
+          <p:cNvPr id="2" name="Title 1">
+            <a:extLst>
+              <a:ext uri="{FF2B5EF4-FFF2-40B4-BE49-F238E27FC236}">
+                <a16:creationId xmlns:a16="http://schemas.microsoft.com/office/drawing/2014/main" id="{FDB8293A-375C-49B0-8DFA-3F0FE206D054}"/>
+              </a:ext>
+            </a:extLst>
+          </p:cNvPr>
+          <p:cNvSpPr>
+            <a:spLocks noGrp="1"/>
+          </p:cNvSpPr>
+          <p:nvPr>
+            <p:ph type="title"/>
+          </p:nvPr>
+        </p:nvSpPr>
+        <p:spPr/>
+        <p:txBody>
+          <a:bodyPr/>
+          <a:lstStyle/>
+          <a:p>
+            <a:r>
+              <a:rPr lang="en-US" dirty="0"/>
+              <a:t>Foreach method(Consumer Interface)</a:t>
+            </a:r>
+            <a:endParaRPr lang="en-IN" dirty="0"/>
+          </a:p>
+        </p:txBody>
+      </p:sp>
+      <p:sp>
+        <p:nvSpPr>
+          <p:cNvPr id="3" name="Content Placeholder 2">
+            <a:extLst>
+              <a:ext uri="{FF2B5EF4-FFF2-40B4-BE49-F238E27FC236}">
+                <a16:creationId xmlns:a16="http://schemas.microsoft.com/office/drawing/2014/main" id="{4160E306-1637-4150-9F23-0BA32929D4FB}"/>
+              </a:ext>
+            </a:extLst>
+          </p:cNvPr>
+          <p:cNvSpPr>
+            <a:spLocks noGrp="1"/>
+          </p:cNvSpPr>
+          <p:nvPr>
+            <p:ph idx="1"/>
+          </p:nvPr>
+        </p:nvSpPr>
+        <p:spPr/>
+        <p:txBody>
+          <a:bodyPr/>
+          <a:lstStyle/>
+          <a:p>
+            <a:r>
+              <a:rPr lang="en-US" b="0" i="0" dirty="0">
+                <a:solidFill>
+                  <a:srgbClr val="333333"/>
+                </a:solidFill>
+                <a:effectLst/>
+                <a:latin typeface="inter-regular"/>
+              </a:rPr>
+              <a:t>Java provides a new </a:t>
+            </a:r>
+            <a:r>
+              <a:rPr lang="en-US" b="0" i="0" dirty="0">
+                <a:solidFill>
+                  <a:srgbClr val="FF0000"/>
+                </a:solidFill>
+                <a:effectLst/>
+                <a:latin typeface="inter-regular"/>
+              </a:rPr>
+              <a:t>default</a:t>
+            </a:r>
+            <a:r>
+              <a:rPr lang="en-US" b="0" i="0" dirty="0">
+                <a:solidFill>
+                  <a:srgbClr val="333333"/>
+                </a:solidFill>
+                <a:effectLst/>
+                <a:latin typeface="inter-regular"/>
+              </a:rPr>
+              <a:t>  method </a:t>
+            </a:r>
+            <a:r>
+              <a:rPr lang="en-US" b="0" i="0" dirty="0" err="1">
+                <a:solidFill>
+                  <a:srgbClr val="333333"/>
+                </a:solidFill>
+                <a:effectLst/>
+                <a:latin typeface="inter-regular"/>
+              </a:rPr>
+              <a:t>forEach</a:t>
+            </a:r>
+            <a:r>
+              <a:rPr lang="en-US" b="0" i="0" dirty="0">
+                <a:solidFill>
+                  <a:srgbClr val="333333"/>
+                </a:solidFill>
+                <a:effectLst/>
+                <a:latin typeface="inter-regular"/>
+              </a:rPr>
+              <a:t>() to iterate the elements in the </a:t>
+            </a:r>
+            <a:r>
+              <a:rPr lang="en-US" b="0" i="0" dirty="0" err="1">
+                <a:solidFill>
+                  <a:srgbClr val="333333"/>
+                </a:solidFill>
+                <a:effectLst/>
+                <a:latin typeface="inter-regular"/>
+              </a:rPr>
+              <a:t>Iterable</a:t>
+            </a:r>
+            <a:r>
+              <a:rPr lang="en-US" b="0" i="0" dirty="0">
+                <a:solidFill>
+                  <a:srgbClr val="333333"/>
+                </a:solidFill>
+                <a:effectLst/>
+                <a:latin typeface="inter-regular"/>
+              </a:rPr>
+              <a:t> interface. </a:t>
+            </a:r>
+          </a:p>
+          <a:p>
+            <a:r>
+              <a:rPr lang="en-US" b="0" i="0" dirty="0">
+                <a:solidFill>
+                  <a:srgbClr val="333333"/>
+                </a:solidFill>
+                <a:effectLst/>
+                <a:latin typeface="inter-regular"/>
+              </a:rPr>
+              <a:t>This method takes a single parameter which is a functional interface. So, you can pass lambda expression as an argument.</a:t>
+            </a:r>
+          </a:p>
+          <a:p>
+            <a:r>
+              <a:rPr lang="en-US" dirty="0">
+                <a:solidFill>
+                  <a:srgbClr val="333333"/>
+                </a:solidFill>
+                <a:latin typeface="inter-regular"/>
+              </a:rPr>
+              <a:t>Example :-</a:t>
+            </a:r>
+          </a:p>
+          <a:p>
+            <a:pPr algn="l"/>
+            <a:r>
+              <a:rPr lang="en-IN" sz="1800" dirty="0">
+                <a:solidFill>
+                  <a:srgbClr val="000000"/>
+                </a:solidFill>
+                <a:latin typeface="Consolas" panose="020B0609020204030204" pitchFamily="49" charset="0"/>
+              </a:rPr>
+              <a:t>List&lt;Integer&gt; </a:t>
+            </a:r>
+            <a:r>
+              <a:rPr lang="en-IN" sz="1800" dirty="0">
+                <a:solidFill>
+                  <a:srgbClr val="6A3E3E"/>
+                </a:solidFill>
+                <a:latin typeface="Consolas" panose="020B0609020204030204" pitchFamily="49" charset="0"/>
+              </a:rPr>
+              <a:t>list</a:t>
+            </a:r>
+            <a:r>
+              <a:rPr lang="en-IN" sz="1800" dirty="0">
+                <a:solidFill>
+                  <a:srgbClr val="000000"/>
+                </a:solidFill>
+                <a:latin typeface="Consolas" panose="020B0609020204030204" pitchFamily="49" charset="0"/>
+              </a:rPr>
+              <a:t>=</a:t>
+            </a:r>
+            <a:r>
+              <a:rPr lang="en-IN" sz="1800" dirty="0" err="1">
+                <a:solidFill>
+                  <a:srgbClr val="000000"/>
+                </a:solidFill>
+                <a:latin typeface="Consolas" panose="020B0609020204030204" pitchFamily="49" charset="0"/>
+              </a:rPr>
+              <a:t>Arrays.</a:t>
+            </a:r>
+            <a:r>
+              <a:rPr lang="en-IN" sz="1800" i="1" dirty="0" err="1">
+                <a:solidFill>
+                  <a:srgbClr val="000000"/>
+                </a:solidFill>
+                <a:latin typeface="Consolas" panose="020B0609020204030204" pitchFamily="49" charset="0"/>
+              </a:rPr>
+              <a:t>asList</a:t>
+            </a:r>
+            <a:r>
+              <a:rPr lang="en-IN" sz="1800" i="1" dirty="0">
+                <a:solidFill>
+                  <a:srgbClr val="000000"/>
+                </a:solidFill>
+                <a:latin typeface="Consolas" panose="020B0609020204030204" pitchFamily="49" charset="0"/>
+              </a:rPr>
+              <a:t>(1,2,3);</a:t>
+            </a:r>
+          </a:p>
+          <a:p>
+            <a:pPr algn="l"/>
+            <a:r>
+              <a:rPr lang="sv-SE" sz="1800" dirty="0">
+                <a:solidFill>
+                  <a:srgbClr val="000000"/>
+                </a:solidFill>
+                <a:latin typeface="Consolas" panose="020B0609020204030204" pitchFamily="49" charset="0"/>
+              </a:rPr>
+              <a:t>Consumer&lt;Integer&gt; </a:t>
+            </a:r>
+            <a:r>
+              <a:rPr lang="sv-SE" sz="1800" dirty="0">
+                <a:solidFill>
+                  <a:srgbClr val="6A3E3E"/>
+                </a:solidFill>
+                <a:latin typeface="Consolas" panose="020B0609020204030204" pitchFamily="49" charset="0"/>
+              </a:rPr>
+              <a:t>consumer</a:t>
+            </a:r>
+            <a:r>
+              <a:rPr lang="sv-SE" sz="1800" dirty="0">
+                <a:solidFill>
+                  <a:srgbClr val="000000"/>
+                </a:solidFill>
+                <a:latin typeface="Consolas" panose="020B0609020204030204" pitchFamily="49" charset="0"/>
+              </a:rPr>
+              <a:t>=(</a:t>
+            </a:r>
+            <a:r>
+              <a:rPr lang="sv-SE" sz="1800" dirty="0">
+                <a:solidFill>
+                  <a:srgbClr val="6A3E3E"/>
+                </a:solidFill>
+                <a:latin typeface="Consolas" panose="020B0609020204030204" pitchFamily="49" charset="0"/>
+              </a:rPr>
+              <a:t>i</a:t>
+            </a:r>
+            <a:r>
+              <a:rPr lang="sv-SE" sz="1800" dirty="0">
+                <a:solidFill>
+                  <a:srgbClr val="000000"/>
+                </a:solidFill>
+                <a:latin typeface="Consolas" panose="020B0609020204030204" pitchFamily="49" charset="0"/>
+              </a:rPr>
+              <a:t>)-&gt;System.</a:t>
+            </a:r>
+            <a:r>
+              <a:rPr lang="sv-SE" sz="1800" b="1" i="1" dirty="0">
+                <a:solidFill>
+                  <a:srgbClr val="0000C0"/>
+                </a:solidFill>
+                <a:latin typeface="Consolas" panose="020B0609020204030204" pitchFamily="49" charset="0"/>
+              </a:rPr>
+              <a:t>out</a:t>
+            </a:r>
+            <a:r>
+              <a:rPr lang="sv-SE" sz="1800" b="1" i="1" dirty="0">
+                <a:solidFill>
+                  <a:srgbClr val="000000"/>
+                </a:solidFill>
+                <a:latin typeface="Consolas" panose="020B0609020204030204" pitchFamily="49" charset="0"/>
+              </a:rPr>
+              <a:t>.print(</a:t>
+            </a:r>
+            <a:r>
+              <a:rPr lang="sv-SE" sz="1800" b="1" i="1" dirty="0">
+                <a:solidFill>
+                  <a:srgbClr val="6A3E3E"/>
+                </a:solidFill>
+                <a:latin typeface="Consolas" panose="020B0609020204030204" pitchFamily="49" charset="0"/>
+              </a:rPr>
+              <a:t>i</a:t>
+            </a:r>
+            <a:r>
+              <a:rPr lang="sv-SE" sz="1800" b="1" i="1" dirty="0">
+                <a:solidFill>
+                  <a:srgbClr val="000000"/>
+                </a:solidFill>
+                <a:latin typeface="Consolas" panose="020B0609020204030204" pitchFamily="49" charset="0"/>
+              </a:rPr>
+              <a:t>+</a:t>
+            </a:r>
+            <a:r>
+              <a:rPr lang="sv-SE" sz="1800" b="1" i="1" dirty="0">
+                <a:solidFill>
+                  <a:srgbClr val="2A00FF"/>
+                </a:solidFill>
+                <a:latin typeface="Consolas" panose="020B0609020204030204" pitchFamily="49" charset="0"/>
+              </a:rPr>
+              <a:t>" "</a:t>
+            </a:r>
+            <a:r>
+              <a:rPr lang="sv-SE" sz="1800" b="1" i="1" dirty="0">
+                <a:solidFill>
+                  <a:srgbClr val="000000"/>
+                </a:solidFill>
+                <a:latin typeface="Consolas" panose="020B0609020204030204" pitchFamily="49" charset="0"/>
+              </a:rPr>
+              <a:t>);</a:t>
+            </a:r>
+          </a:p>
+          <a:p>
+            <a:pPr algn="l"/>
+            <a:r>
+              <a:rPr lang="en-IN" sz="1800" dirty="0" err="1">
+                <a:solidFill>
+                  <a:srgbClr val="6A3E3E"/>
+                </a:solidFill>
+                <a:latin typeface="Consolas" panose="020B0609020204030204" pitchFamily="49" charset="0"/>
+              </a:rPr>
+              <a:t>list</a:t>
+            </a:r>
+            <a:r>
+              <a:rPr lang="en-IN" sz="1800" dirty="0" err="1">
+                <a:solidFill>
+                  <a:srgbClr val="000000"/>
+                </a:solidFill>
+                <a:latin typeface="Consolas" panose="020B0609020204030204" pitchFamily="49" charset="0"/>
+              </a:rPr>
+              <a:t>.forEach</a:t>
+            </a:r>
+            <a:r>
+              <a:rPr lang="en-IN" sz="1800" dirty="0">
+                <a:solidFill>
+                  <a:srgbClr val="000000"/>
+                </a:solidFill>
+                <a:latin typeface="Consolas" panose="020B0609020204030204" pitchFamily="49" charset="0"/>
+              </a:rPr>
+              <a:t>(</a:t>
+            </a:r>
+            <a:r>
+              <a:rPr lang="en-IN" sz="1800" dirty="0">
+                <a:solidFill>
+                  <a:srgbClr val="6A3E3E"/>
+                </a:solidFill>
+                <a:latin typeface="Consolas" panose="020B0609020204030204" pitchFamily="49" charset="0"/>
+              </a:rPr>
+              <a:t>consumer</a:t>
+            </a:r>
+            <a:r>
+              <a:rPr lang="en-IN" sz="1800" dirty="0">
+                <a:solidFill>
+                  <a:srgbClr val="000000"/>
+                </a:solidFill>
+                <a:latin typeface="Consolas" panose="020B0609020204030204" pitchFamily="49" charset="0"/>
+              </a:rPr>
+              <a:t>);</a:t>
+            </a:r>
+            <a:endParaRPr lang="en-IN" sz="1800" dirty="0">
+              <a:latin typeface="Consolas" panose="020B0609020204030204" pitchFamily="49" charset="0"/>
+            </a:endParaRPr>
+          </a:p>
+          <a:p>
+            <a:pPr algn="l"/>
+            <a:r>
+              <a:rPr lang="en-IN" sz="1800" dirty="0" err="1">
+                <a:solidFill>
+                  <a:srgbClr val="6A3E3E"/>
+                </a:solidFill>
+                <a:latin typeface="Consolas" panose="020B0609020204030204" pitchFamily="49" charset="0"/>
+              </a:rPr>
+              <a:t>list</a:t>
+            </a:r>
+            <a:r>
+              <a:rPr lang="en-IN" sz="1800" dirty="0" err="1">
+                <a:solidFill>
+                  <a:srgbClr val="000000"/>
+                </a:solidFill>
+                <a:latin typeface="Consolas" panose="020B0609020204030204" pitchFamily="49" charset="0"/>
+              </a:rPr>
+              <a:t>.forEach</a:t>
+            </a:r>
+            <a:r>
+              <a:rPr lang="en-IN" sz="1800" dirty="0">
+                <a:solidFill>
+                  <a:srgbClr val="000000"/>
+                </a:solidFill>
+                <a:latin typeface="Consolas" panose="020B0609020204030204" pitchFamily="49" charset="0"/>
+              </a:rPr>
+              <a:t>((</a:t>
+            </a:r>
+            <a:r>
+              <a:rPr lang="en-IN" sz="1800" dirty="0" err="1">
+                <a:solidFill>
+                  <a:srgbClr val="6A3E3E"/>
+                </a:solidFill>
+                <a:latin typeface="Consolas" panose="020B0609020204030204" pitchFamily="49" charset="0"/>
+              </a:rPr>
+              <a:t>i</a:t>
+            </a:r>
+            <a:r>
+              <a:rPr lang="en-IN" sz="1800" dirty="0">
+                <a:solidFill>
+                  <a:srgbClr val="000000"/>
+                </a:solidFill>
+                <a:latin typeface="Consolas" panose="020B0609020204030204" pitchFamily="49" charset="0"/>
+              </a:rPr>
+              <a:t>)-&gt;</a:t>
+            </a:r>
+            <a:r>
+              <a:rPr lang="en-IN" sz="1800" dirty="0" err="1">
+                <a:solidFill>
+                  <a:srgbClr val="000000"/>
+                </a:solidFill>
+                <a:latin typeface="Consolas" panose="020B0609020204030204" pitchFamily="49" charset="0"/>
+              </a:rPr>
+              <a:t>System.</a:t>
+            </a:r>
+            <a:r>
+              <a:rPr lang="en-IN" sz="1800" b="1" i="1" dirty="0" err="1">
+                <a:solidFill>
+                  <a:srgbClr val="0000C0"/>
+                </a:solidFill>
+                <a:latin typeface="Consolas" panose="020B0609020204030204" pitchFamily="49" charset="0"/>
+              </a:rPr>
+              <a:t>out</a:t>
+            </a:r>
+            <a:r>
+              <a:rPr lang="en-IN" sz="1800" b="1" i="1" dirty="0" err="1">
+                <a:solidFill>
+                  <a:srgbClr val="000000"/>
+                </a:solidFill>
+                <a:latin typeface="Consolas" panose="020B0609020204030204" pitchFamily="49" charset="0"/>
+              </a:rPr>
+              <a:t>.print</a:t>
+            </a:r>
+            <a:r>
+              <a:rPr lang="en-IN" sz="1800" b="1" i="1" dirty="0">
+                <a:solidFill>
+                  <a:srgbClr val="000000"/>
+                </a:solidFill>
+                <a:latin typeface="Consolas" panose="020B0609020204030204" pitchFamily="49" charset="0"/>
+              </a:rPr>
+              <a:t>(</a:t>
+            </a:r>
+            <a:r>
+              <a:rPr lang="en-IN" sz="1800" b="1" i="1" dirty="0" err="1">
+                <a:solidFill>
+                  <a:srgbClr val="6A3E3E"/>
+                </a:solidFill>
+                <a:latin typeface="Consolas" panose="020B0609020204030204" pitchFamily="49" charset="0"/>
+              </a:rPr>
+              <a:t>i</a:t>
+            </a:r>
+            <a:r>
+              <a:rPr lang="en-IN" sz="1800" b="1" i="1" dirty="0">
+                <a:solidFill>
+                  <a:srgbClr val="000000"/>
+                </a:solidFill>
+                <a:latin typeface="Consolas" panose="020B0609020204030204" pitchFamily="49" charset="0"/>
+              </a:rPr>
+              <a:t>+</a:t>
+            </a:r>
+            <a:r>
+              <a:rPr lang="en-IN" sz="1800" b="1" i="1" dirty="0">
+                <a:solidFill>
+                  <a:srgbClr val="2A00FF"/>
+                </a:solidFill>
+                <a:latin typeface="Consolas" panose="020B0609020204030204" pitchFamily="49" charset="0"/>
+              </a:rPr>
+              <a:t>" "</a:t>
+            </a:r>
+            <a:r>
+              <a:rPr lang="en-IN" sz="1800" b="1" i="1" dirty="0">
+                <a:solidFill>
+                  <a:srgbClr val="000000"/>
+                </a:solidFill>
+                <a:latin typeface="Consolas" panose="020B0609020204030204" pitchFamily="49" charset="0"/>
+              </a:rPr>
+              <a:t>));</a:t>
+            </a:r>
+            <a:endParaRPr lang="en-US" b="0" i="0" dirty="0">
+              <a:solidFill>
+                <a:srgbClr val="333333"/>
+              </a:solidFill>
+              <a:effectLst/>
+              <a:latin typeface="inter-regular"/>
+            </a:endParaRPr>
+          </a:p>
+        </p:txBody>
+      </p:sp>
+    </p:spTree>
+    <p:extLst>
+      <p:ext uri="{BB962C8B-B14F-4D97-AF65-F5344CB8AC3E}">
+        <p14:creationId xmlns:p14="http://schemas.microsoft.com/office/powerpoint/2010/main" val="957134216"/>
+      </p:ext>
+    </p:extLst>
+  </p:cSld>
+  <p:clrMapOvr>
+    <a:masterClrMapping/>
+  </p:clrMapOvr>
+  <p:timing>
+    <p:tnLst>
+      <p:par>
+        <p:cTn id="1" dur="indefinite" restart="never" nodeType="tmRoot">
+          <p:childTnLst>
+            <p:seq concurrent="1" nextAc="seek">
+              <p:cTn id="2" dur="indefinite" nodeType="mainSeq">
+                <p:childTnLst>
+                  <p:par>
+                    <p:cTn id="3" fill="hold">
+                      <p:stCondLst>
+                        <p:cond delay="indefinite"/>
+                      </p:stCondLst>
+                      <p:childTnLst>
+                        <p:par>
+                          <p:cTn id="4" fill="hold">
+                            <p:stCondLst>
+                              <p:cond delay="0"/>
+                            </p:stCondLst>
+                            <p:childTnLst>
+                              <p:par>
+                                <p:cTn id="5" presetID="1" presetClass="entr" presetSubtype="0" fill="hold" nodeType="clickEffect">
+                                  <p:stCondLst>
+                                    <p:cond delay="0"/>
+                                  </p:stCondLst>
+                                  <p:childTnLst>
+                                    <p:set>
+                                      <p:cBhvr>
+                                        <p:cTn id="6" dur="1" fill="hold">
+                                          <p:stCondLst>
+                                            <p:cond delay="0"/>
+                                          </p:stCondLst>
+                                        </p:cTn>
+                                        <p:tgtEl>
+                                          <p:spTgt spid="3">
+                                            <p:txEl>
+                                              <p:pRg st="0" end="0"/>
+                                            </p:txEl>
+                                          </p:spTgt>
+                                        </p:tgtEl>
+                                        <p:attrNameLst>
+                                          <p:attrName>style.visibility</p:attrName>
+                                        </p:attrNameLst>
+                                      </p:cBhvr>
+                                      <p:to>
+                                        <p:strVal val="visible"/>
+                                      </p:to>
+                                    </p:set>
+                                  </p:childTnLst>
+                                </p:cTn>
+                              </p:par>
+                            </p:childTnLst>
+                          </p:cTn>
+                        </p:par>
+                      </p:childTnLst>
+                    </p:cTn>
+                  </p:par>
+                  <p:par>
+                    <p:cTn id="7" fill="hold">
+                      <p:stCondLst>
+                        <p:cond delay="indefinite"/>
+                      </p:stCondLst>
+                      <p:childTnLst>
+                        <p:par>
+                          <p:cTn id="8" fill="hold">
+                            <p:stCondLst>
+                              <p:cond delay="0"/>
+                            </p:stCondLst>
+                            <p:childTnLst>
+                              <p:par>
+                                <p:cTn id="9" presetID="1" presetClass="entr" presetSubtype="0" fill="hold" nodeType="clickEffect">
+                                  <p:stCondLst>
+                                    <p:cond delay="0"/>
+                                  </p:stCondLst>
+                                  <p:childTnLst>
+                                    <p:set>
+                                      <p:cBhvr>
+                                        <p:cTn id="10" dur="1" fill="hold">
+                                          <p:stCondLst>
+                                            <p:cond delay="0"/>
+                                          </p:stCondLst>
+                                        </p:cTn>
+                                        <p:tgtEl>
+                                          <p:spTgt spid="3">
+                                            <p:txEl>
+                                              <p:pRg st="1" end="1"/>
+                                            </p:txEl>
+                                          </p:spTgt>
+                                        </p:tgtEl>
+                                        <p:attrNameLst>
+                                          <p:attrName>style.visibility</p:attrName>
+                                        </p:attrNameLst>
+                                      </p:cBhvr>
+                                      <p:to>
+                                        <p:strVal val="visible"/>
+                                      </p:to>
+                                    </p:set>
+                                  </p:childTnLst>
+                                </p:cTn>
+                              </p:par>
+                              <p:par>
+                                <p:cTn id="11" presetID="1" presetClass="entr" presetSubtype="0" fill="hold" nodeType="withEffect">
+                                  <p:stCondLst>
+                                    <p:cond delay="0"/>
+                                  </p:stCondLst>
+                                  <p:childTnLst>
+                                    <p:set>
+                                      <p:cBhvr>
+                                        <p:cTn id="12" dur="1" fill="hold">
+                                          <p:stCondLst>
+                                            <p:cond delay="0"/>
+                                          </p:stCondLst>
+                                        </p:cTn>
+                                        <p:tgtEl>
+                                          <p:spTgt spid="3">
+                                            <p:txEl>
+                                              <p:pRg st="2" end="2"/>
+                                            </p:txEl>
+                                          </p:spTgt>
+                                        </p:tgtEl>
+                                        <p:attrNameLst>
+                                          <p:attrName>style.visibility</p:attrName>
+                                        </p:attrNameLst>
+                                      </p:cBhvr>
+                                      <p:to>
+                                        <p:strVal val="visible"/>
+                                      </p:to>
+                                    </p:set>
+                                  </p:childTnLst>
+                                </p:cTn>
+                              </p:par>
+                              <p:par>
+                                <p:cTn id="13" presetID="1" presetClass="entr" presetSubtype="0" fill="hold" nodeType="withEffect">
+                                  <p:stCondLst>
+                                    <p:cond delay="0"/>
+                                  </p:stCondLst>
+                                  <p:childTnLst>
+                                    <p:set>
+                                      <p:cBhvr>
+                                        <p:cTn id="14" dur="1" fill="hold">
+                                          <p:stCondLst>
+                                            <p:cond delay="0"/>
+                                          </p:stCondLst>
+                                        </p:cTn>
+                                        <p:tgtEl>
+                                          <p:spTgt spid="3">
+                                            <p:txEl>
+                                              <p:pRg st="3" end="3"/>
+                                            </p:txEl>
+                                          </p:spTgt>
+                                        </p:tgtEl>
+                                        <p:attrNameLst>
+                                          <p:attrName>style.visibility</p:attrName>
+                                        </p:attrNameLst>
+                                      </p:cBhvr>
+                                      <p:to>
+                                        <p:strVal val="visible"/>
+                                      </p:to>
+                                    </p:set>
+                                  </p:childTnLst>
+                                </p:cTn>
+                              </p:par>
+                              <p:par>
+                                <p:cTn id="15" presetID="1" presetClass="entr" presetSubtype="0" fill="hold" nodeType="withEffect">
+                                  <p:stCondLst>
+                                    <p:cond delay="0"/>
+                                  </p:stCondLst>
+                                  <p:childTnLst>
+                                    <p:set>
+                                      <p:cBhvr>
+                                        <p:cTn id="16" dur="1" fill="hold">
+                                          <p:stCondLst>
+                                            <p:cond delay="0"/>
+                                          </p:stCondLst>
+                                        </p:cTn>
+                                        <p:tgtEl>
+                                          <p:spTgt spid="3">
+                                            <p:txEl>
+                                              <p:pRg st="4" end="4"/>
+                                            </p:txEl>
+                                          </p:spTgt>
+                                        </p:tgtEl>
+                                        <p:attrNameLst>
+                                          <p:attrName>style.visibility</p:attrName>
+                                        </p:attrNameLst>
+                                      </p:cBhvr>
+                                      <p:to>
+                                        <p:strVal val="visible"/>
+                                      </p:to>
+                                    </p:set>
+                                  </p:childTnLst>
+                                </p:cTn>
+                              </p:par>
+                              <p:par>
+                                <p:cTn id="17" presetID="1" presetClass="entr" presetSubtype="0" fill="hold" nodeType="withEffect">
+                                  <p:stCondLst>
+                                    <p:cond delay="0"/>
+                                  </p:stCondLst>
+                                  <p:childTnLst>
+                                    <p:set>
+                                      <p:cBhvr>
+                                        <p:cTn id="18" dur="1" fill="hold">
+                                          <p:stCondLst>
+                                            <p:cond delay="0"/>
+                                          </p:stCondLst>
+                                        </p:cTn>
+                                        <p:tgtEl>
+                                          <p:spTgt spid="3">
+                                            <p:txEl>
+                                              <p:pRg st="5" end="5"/>
+                                            </p:txEl>
+                                          </p:spTgt>
+                                        </p:tgtEl>
+                                        <p:attrNameLst>
+                                          <p:attrName>style.visibility</p:attrName>
+                                        </p:attrNameLst>
+                                      </p:cBhvr>
+                                      <p:to>
+                                        <p:strVal val="visible"/>
+                                      </p:to>
+                                    </p:set>
+                                  </p:childTnLst>
+                                </p:cTn>
+                              </p:par>
+                              <p:par>
+                                <p:cTn id="19" presetID="1" presetClass="entr" presetSubtype="0" fill="hold" nodeType="withEffect">
+                                  <p:stCondLst>
+                                    <p:cond delay="0"/>
+                                  </p:stCondLst>
+                                  <p:childTnLst>
+                                    <p:set>
+                                      <p:cBhvr>
+                                        <p:cTn id="20" dur="1" fill="hold">
+                                          <p:stCondLst>
+                                            <p:cond delay="0"/>
+                                          </p:stCondLst>
+                                        </p:cTn>
+                                        <p:tgtEl>
+                                          <p:spTgt spid="3">
+                                            <p:txEl>
+                                              <p:pRg st="6" end="6"/>
+                                            </p:txEl>
+                                          </p:spTgt>
+                                        </p:tgtEl>
+                                        <p:attrNameLst>
+                                          <p:attrName>style.visibility</p:attrName>
+                                        </p:attrNameLst>
+                                      </p:cBhvr>
+                                      <p:to>
+                                        <p:strVal val="visible"/>
+                                      </p:to>
+                                    </p:set>
+                                  </p:childTnLst>
+                                </p:cTn>
+                              </p:par>
+                            </p:childTnLst>
+                          </p:cTn>
+                        </p:par>
+                      </p:childTnLst>
+                    </p:cTn>
+                  </p:par>
+                </p:childTnLst>
+              </p:cTn>
+              <p:prevCondLst>
+                <p:cond evt="onPrev" delay="0">
+                  <p:tgtEl>
+                    <p:sldTgt/>
+                  </p:tgtEl>
+                </p:cond>
+              </p:prevCondLst>
+              <p:nextCondLst>
+                <p:cond evt="onNext" delay="0">
+                  <p:tgtEl>
+                    <p:sldTgt/>
+                  </p:tgtEl>
+                </p:cond>
+              </p:nextCondLst>
+            </p:seq>
+          </p:childTnLst>
+        </p:cTn>
+      </p:par>
+    </p:tnLst>
+  </p:timing>
+</p:sld>
+</file>
+
+<file path=ppt/slides/slide9.xml><?xml version="1.0" encoding="utf-8"?>
+<p:sld xmlns:a="http://schemas.openxmlformats.org/drawingml/2006/main" xmlns:r="http://schemas.openxmlformats.org/officeDocument/2006/relationships" xmlns:p="http://schemas.openxmlformats.org/presentationml/2006/main">
+  <p:cSld>
+    <p:spTree>
+      <p:nvGrpSpPr>
+        <p:cNvPr id="1" name=""/>
+        <p:cNvGrpSpPr/>
+        <p:nvPr/>
+      </p:nvGrpSpPr>
+      <p:grpSpPr>
+        <a:xfrm>
+          <a:off x="0" y="0"/>
+          <a:ext cx="0" cy="0"/>
+          <a:chOff x="0" y="0"/>
+          <a:chExt cx="0" cy="0"/>
+        </a:xfrm>
+      </p:grpSpPr>
+      <p:sp>
+        <p:nvSpPr>
+          <p:cNvPr id="2" name="Title 1">
+            <a:extLst>
+              <a:ext uri="{FF2B5EF4-FFF2-40B4-BE49-F238E27FC236}">
+                <a16:creationId xmlns:a16="http://schemas.microsoft.com/office/drawing/2014/main" id="{9018804F-6850-40C3-A1D0-A5D6A5949829}"/>
+              </a:ext>
+            </a:extLst>
+          </p:cNvPr>
+          <p:cNvSpPr>
+            <a:spLocks noGrp="1"/>
+          </p:cNvSpPr>
+          <p:nvPr>
+            <p:ph type="title"/>
+          </p:nvPr>
+        </p:nvSpPr>
+        <p:spPr/>
+        <p:txBody>
+          <a:bodyPr/>
+          <a:lstStyle/>
+          <a:p>
+            <a:r>
+              <a:rPr lang="en-US" dirty="0"/>
+              <a:t>Method References</a:t>
+            </a:r>
+            <a:endParaRPr lang="en-IN" dirty="0"/>
+          </a:p>
+        </p:txBody>
+      </p:sp>
+      <p:sp>
+        <p:nvSpPr>
+          <p:cNvPr id="3" name="Content Placeholder 2">
+            <a:extLst>
+              <a:ext uri="{FF2B5EF4-FFF2-40B4-BE49-F238E27FC236}">
+                <a16:creationId xmlns:a16="http://schemas.microsoft.com/office/drawing/2014/main" id="{13E52F0C-C8CB-4B31-A28C-5A44FBE63148}"/>
+              </a:ext>
+            </a:extLst>
+          </p:cNvPr>
+          <p:cNvSpPr>
+            <a:spLocks noGrp="1"/>
+          </p:cNvSpPr>
+          <p:nvPr>
+            <p:ph idx="1"/>
+          </p:nvPr>
+        </p:nvSpPr>
+        <p:spPr/>
+        <p:txBody>
+          <a:bodyPr/>
+          <a:lstStyle/>
+          <a:p>
+            <a:r>
+              <a:rPr lang="en-US" dirty="0"/>
+              <a:t>We can make our code even more concise with method reference.</a:t>
+            </a:r>
+          </a:p>
+          <a:p>
+            <a:r>
+              <a:rPr lang="en-US" dirty="0"/>
+              <a:t>It’s a shorthand for lambda expression.</a:t>
+            </a:r>
+          </a:p>
+          <a:p>
+            <a:r>
+              <a:rPr lang="en-US" dirty="0"/>
+              <a:t>Its used in cases where </a:t>
+            </a:r>
+            <a:r>
+              <a:rPr lang="en-US" dirty="0">
+                <a:solidFill>
+                  <a:srgbClr val="FF0000"/>
+                </a:solidFill>
+              </a:rPr>
+              <a:t>lambda expression calls another method.</a:t>
+            </a:r>
+            <a:endParaRPr lang="en-US" dirty="0">
+              <a:solidFill>
+                <a:schemeClr val="bg2">
+                  <a:lumMod val="10000"/>
+                </a:schemeClr>
+              </a:solidFill>
+            </a:endParaRPr>
+          </a:p>
+          <a:p>
+            <a:r>
+              <a:rPr lang="en-US" dirty="0">
+                <a:solidFill>
+                  <a:schemeClr val="bg2">
+                    <a:lumMod val="10000"/>
+                  </a:schemeClr>
+                </a:solidFill>
+              </a:rPr>
+              <a:t>Example:- </a:t>
+            </a:r>
+          </a:p>
+          <a:p>
+            <a:pPr algn="l"/>
+            <a:r>
+              <a:rPr lang="en-IN" sz="1800" dirty="0">
+                <a:solidFill>
+                  <a:srgbClr val="000000"/>
+                </a:solidFill>
+                <a:latin typeface="Consolas" panose="020B0609020204030204" pitchFamily="49" charset="0"/>
+              </a:rPr>
+              <a:t>List&lt;Integer&gt; </a:t>
+            </a:r>
+            <a:r>
+              <a:rPr lang="en-IN" sz="1800" dirty="0">
+                <a:solidFill>
+                  <a:srgbClr val="6A3E3E"/>
+                </a:solidFill>
+                <a:latin typeface="Consolas" panose="020B0609020204030204" pitchFamily="49" charset="0"/>
+              </a:rPr>
+              <a:t>list</a:t>
+            </a:r>
+            <a:r>
+              <a:rPr lang="en-IN" sz="1800" dirty="0">
+                <a:solidFill>
+                  <a:srgbClr val="000000"/>
+                </a:solidFill>
+                <a:latin typeface="Consolas" panose="020B0609020204030204" pitchFamily="49" charset="0"/>
+              </a:rPr>
+              <a:t>=</a:t>
+            </a:r>
+            <a:r>
+              <a:rPr lang="en-IN" sz="1800" dirty="0" err="1">
+                <a:solidFill>
+                  <a:srgbClr val="000000"/>
+                </a:solidFill>
+                <a:latin typeface="Consolas" panose="020B0609020204030204" pitchFamily="49" charset="0"/>
+              </a:rPr>
+              <a:t>Arrays.</a:t>
+            </a:r>
+            <a:r>
+              <a:rPr lang="en-IN" sz="1800" i="1" dirty="0" err="1">
+                <a:solidFill>
+                  <a:srgbClr val="000000"/>
+                </a:solidFill>
+                <a:latin typeface="Consolas" panose="020B0609020204030204" pitchFamily="49" charset="0"/>
+              </a:rPr>
+              <a:t>asList</a:t>
+            </a:r>
+            <a:r>
+              <a:rPr lang="en-IN" sz="1800" i="1" dirty="0">
+                <a:solidFill>
+                  <a:srgbClr val="000000"/>
+                </a:solidFill>
+                <a:latin typeface="Consolas" panose="020B0609020204030204" pitchFamily="49" charset="0"/>
+              </a:rPr>
+              <a:t>(1,2,3);</a:t>
+            </a:r>
+          </a:p>
+          <a:p>
+            <a:pPr algn="l"/>
+            <a:r>
+              <a:rPr lang="sv-SE" sz="1800" dirty="0">
+                <a:solidFill>
+                  <a:srgbClr val="000000"/>
+                </a:solidFill>
+                <a:latin typeface="Consolas" panose="020B0609020204030204" pitchFamily="49" charset="0"/>
+              </a:rPr>
+              <a:t>Consumer&lt;Integer&gt; </a:t>
+            </a:r>
+            <a:r>
+              <a:rPr lang="sv-SE" sz="1800" dirty="0">
+                <a:solidFill>
+                  <a:srgbClr val="6A3E3E"/>
+                </a:solidFill>
+                <a:latin typeface="Consolas" panose="020B0609020204030204" pitchFamily="49" charset="0"/>
+              </a:rPr>
+              <a:t>consumer</a:t>
+            </a:r>
+            <a:r>
+              <a:rPr lang="sv-SE" sz="1800" dirty="0">
+                <a:solidFill>
+                  <a:srgbClr val="000000"/>
+                </a:solidFill>
+                <a:latin typeface="Consolas" panose="020B0609020204030204" pitchFamily="49" charset="0"/>
+              </a:rPr>
+              <a:t>=System.</a:t>
+            </a:r>
+            <a:r>
+              <a:rPr lang="sv-SE" sz="1800" b="1" i="1" dirty="0">
+                <a:solidFill>
+                  <a:srgbClr val="0000C0"/>
+                </a:solidFill>
+                <a:latin typeface="Consolas" panose="020B0609020204030204" pitchFamily="49" charset="0"/>
+              </a:rPr>
+              <a:t>out</a:t>
+            </a:r>
+            <a:r>
+              <a:rPr lang="sv-SE" sz="1800" b="1" i="1" dirty="0">
+                <a:solidFill>
+                  <a:srgbClr val="000000"/>
+                </a:solidFill>
+                <a:latin typeface="Consolas" panose="020B0609020204030204" pitchFamily="49" charset="0"/>
+              </a:rPr>
+              <a:t>::print;</a:t>
+            </a:r>
+            <a:endParaRPr lang="en-IN" sz="1800" dirty="0">
+              <a:latin typeface="Consolas" panose="020B0609020204030204" pitchFamily="49" charset="0"/>
+            </a:endParaRPr>
+          </a:p>
+          <a:p>
+            <a:pPr algn="l"/>
+            <a:r>
+              <a:rPr lang="en-IN" sz="1800" dirty="0" err="1">
+                <a:solidFill>
+                  <a:srgbClr val="6A3E3E"/>
+                </a:solidFill>
+                <a:latin typeface="Consolas" panose="020B0609020204030204" pitchFamily="49" charset="0"/>
+              </a:rPr>
+              <a:t>list</a:t>
+            </a:r>
+            <a:r>
+              <a:rPr lang="en-IN" sz="1800" dirty="0" err="1">
+                <a:solidFill>
+                  <a:srgbClr val="000000"/>
+                </a:solidFill>
+                <a:latin typeface="Consolas" panose="020B0609020204030204" pitchFamily="49" charset="0"/>
+              </a:rPr>
+              <a:t>.forEach</a:t>
+            </a:r>
+            <a:r>
+              <a:rPr lang="en-IN" sz="1800" dirty="0">
+                <a:solidFill>
+                  <a:srgbClr val="000000"/>
+                </a:solidFill>
+                <a:latin typeface="Consolas" panose="020B0609020204030204" pitchFamily="49" charset="0"/>
+              </a:rPr>
+              <a:t>(</a:t>
+            </a:r>
+            <a:r>
+              <a:rPr lang="en-IN" sz="1800" dirty="0">
+                <a:solidFill>
+                  <a:srgbClr val="6A3E3E"/>
+                </a:solidFill>
+                <a:latin typeface="Consolas" panose="020B0609020204030204" pitchFamily="49" charset="0"/>
+              </a:rPr>
+              <a:t>consumer</a:t>
+            </a:r>
+            <a:r>
+              <a:rPr lang="en-IN" sz="1800" dirty="0">
+                <a:solidFill>
+                  <a:srgbClr val="000000"/>
+                </a:solidFill>
+                <a:latin typeface="Consolas" panose="020B0609020204030204" pitchFamily="49" charset="0"/>
+              </a:rPr>
+              <a:t>);</a:t>
+            </a:r>
+            <a:endParaRPr lang="en-US" dirty="0">
+              <a:solidFill>
+                <a:schemeClr val="bg2">
+                  <a:lumMod val="10000"/>
+                </a:schemeClr>
+              </a:solidFill>
+            </a:endParaRPr>
+          </a:p>
+        </p:txBody>
+      </p:sp>
+    </p:spTree>
+    <p:extLst>
+      <p:ext uri="{BB962C8B-B14F-4D97-AF65-F5344CB8AC3E}">
+        <p14:creationId xmlns:p14="http://schemas.microsoft.com/office/powerpoint/2010/main" val="1640873441"/>
+      </p:ext>
+    </p:extLst>
+  </p:cSld>
+  <p:clrMapOvr>
+    <a:masterClrMapping/>
+  </p:clrMapOvr>
+  <p:timing>
+    <p:tnLst>
+      <p:par>
+        <p:cTn id="1" dur="indefinite" restart="never" nodeType="tmRoot">
+          <p:childTnLst>
+            <p:seq concurrent="1" nextAc="seek">
+              <p:cTn id="2" dur="indefinite" nodeType="mainSeq">
+                <p:childTnLst>
+                  <p:par>
+                    <p:cTn id="3" fill="hold">
+                      <p:stCondLst>
+                        <p:cond delay="indefinite"/>
+                      </p:stCondLst>
+                      <p:childTnLst>
+                        <p:par>
+                          <p:cTn id="4" fill="hold">
+                            <p:stCondLst>
+                              <p:cond delay="0"/>
+                            </p:stCondLst>
+                            <p:childTnLst>
+                              <p:par>
+                                <p:cTn id="5" presetID="1" presetClass="entr" presetSubtype="0" fill="hold" nodeType="clickEffect">
+                                  <p:stCondLst>
+                                    <p:cond delay="0"/>
+                                  </p:stCondLst>
+                                  <p:childTnLst>
+                                    <p:set>
+                                      <p:cBhvr>
+                                        <p:cTn id="6" dur="1" fill="hold">
+                                          <p:stCondLst>
+                                            <p:cond delay="0"/>
+                                          </p:stCondLst>
+                                        </p:cTn>
+                                        <p:tgtEl>
+                                          <p:spTgt spid="3">
+                                            <p:txEl>
+                                              <p:pRg st="0" end="0"/>
+                                            </p:txEl>
+                                          </p:spTgt>
+                                        </p:tgtEl>
+                                        <p:attrNameLst>
+                                          <p:attrName>style.visibility</p:attrName>
+                                        </p:attrNameLst>
+                                      </p:cBhvr>
+                                      <p:to>
+                                        <p:strVal val="visible"/>
+                                      </p:to>
+                                    </p:set>
+                                  </p:childTnLst>
+                                </p:cTn>
+                              </p:par>
+                              <p:par>
+                                <p:cTn id="7" presetID="1" presetClass="entr" presetSubtype="0" fill="hold" nodeType="withEffect">
+                                  <p:stCondLst>
+                                    <p:cond delay="0"/>
+                                  </p:stCondLst>
+                                  <p:childTnLst>
+                                    <p:set>
+                                      <p:cBhvr>
+                                        <p:cTn id="8" dur="1" fill="hold">
+                                          <p:stCondLst>
+                                            <p:cond delay="0"/>
+                                          </p:stCondLst>
+                                        </p:cTn>
+                                        <p:tgtEl>
+                                          <p:spTgt spid="3">
+                                            <p:txEl>
+                                              <p:pRg st="1" end="1"/>
+                                            </p:txEl>
+                                          </p:spTgt>
+                                        </p:tgtEl>
+                                        <p:attrNameLst>
+                                          <p:attrName>style.visibility</p:attrName>
+                                        </p:attrNameLst>
+                                      </p:cBhvr>
+                                      <p:to>
+                                        <p:strVal val="visible"/>
+                                      </p:to>
+                                    </p:set>
+                                  </p:childTnLst>
+                                </p:cTn>
+                              </p:par>
+                              <p:par>
+                                <p:cTn id="9" presetID="1" presetClass="entr" presetSubtype="0" fill="hold" nodeType="withEffect">
+                                  <p:stCondLst>
+                                    <p:cond delay="0"/>
+                                  </p:stCondLst>
+                                  <p:childTnLst>
+                                    <p:set>
+                                      <p:cBhvr>
+                                        <p:cTn id="10" dur="1" fill="hold">
+                                          <p:stCondLst>
+                                            <p:cond delay="0"/>
+                                          </p:stCondLst>
+                                        </p:cTn>
+                                        <p:tgtEl>
+                                          <p:spTgt spid="3">
+                                            <p:txEl>
+                                              <p:pRg st="2" end="2"/>
+                                            </p:txEl>
+                                          </p:spTgt>
+                                        </p:tgtEl>
+                                        <p:attrNameLst>
+                                          <p:attrName>style.visibility</p:attrName>
+                                        </p:attrNameLst>
+                                      </p:cBhvr>
+                                      <p:to>
+                                        <p:strVal val="visible"/>
+                                      </p:to>
+                                    </p:set>
+                                  </p:childTnLst>
+                                </p:cTn>
+                              </p:par>
+                            </p:childTnLst>
+                          </p:cTn>
+                        </p:par>
+                      </p:childTnLst>
+                    </p:cTn>
+                  </p:par>
+                  <p:par>
+                    <p:cTn id="11" fill="hold">
+                      <p:stCondLst>
+                        <p:cond delay="indefinite"/>
+                      </p:stCondLst>
+                      <p:childTnLst>
+                        <p:par>
+                          <p:cTn id="12" fill="hold">
+                            <p:stCondLst>
+                              <p:cond delay="0"/>
+                            </p:stCondLst>
+                            <p:childTnLst>
+                              <p:par>
+                                <p:cTn id="13" presetID="1" presetClass="entr" presetSubtype="0" fill="hold" nodeType="clickEffect">
+                                  <p:stCondLst>
+                                    <p:cond delay="0"/>
+                                  </p:stCondLst>
+                                  <p:childTnLst>
+                                    <p:set>
+                                      <p:cBhvr>
+                                        <p:cTn id="14" dur="1" fill="hold">
+                                          <p:stCondLst>
+                                            <p:cond delay="0"/>
+                                          </p:stCondLst>
+                                        </p:cTn>
+                                        <p:tgtEl>
+                                          <p:spTgt spid="3">
+                                            <p:txEl>
+                                              <p:pRg st="3" end="3"/>
+                                            </p:txEl>
+                                          </p:spTgt>
+                                        </p:tgtEl>
+                                        <p:attrNameLst>
+                                          <p:attrName>style.visibility</p:attrName>
+                                        </p:attrNameLst>
+                                      </p:cBhvr>
+                                      <p:to>
+                                        <p:strVal val="visible"/>
+                                      </p:to>
+                                    </p:set>
+                                  </p:childTnLst>
+                                </p:cTn>
+                              </p:par>
+                              <p:par>
+                                <p:cTn id="15" presetID="1" presetClass="entr" presetSubtype="0" fill="hold" nodeType="withEffect">
+                                  <p:stCondLst>
+                                    <p:cond delay="0"/>
+                                  </p:stCondLst>
+                                  <p:childTnLst>
+                                    <p:set>
+                                      <p:cBhvr>
+                                        <p:cTn id="16" dur="1" fill="hold">
+                                          <p:stCondLst>
+                                            <p:cond delay="0"/>
+                                          </p:stCondLst>
+                                        </p:cTn>
+                                        <p:tgtEl>
+                                          <p:spTgt spid="3">
+                                            <p:txEl>
+                                              <p:pRg st="4" end="4"/>
+                                            </p:txEl>
+                                          </p:spTgt>
+                                        </p:tgtEl>
+                                        <p:attrNameLst>
+                                          <p:attrName>style.visibility</p:attrName>
+                                        </p:attrNameLst>
+                                      </p:cBhvr>
+                                      <p:to>
+                                        <p:strVal val="visible"/>
+                                      </p:to>
+                                    </p:set>
+                                  </p:childTnLst>
+                                </p:cTn>
+                              </p:par>
+                              <p:par>
+                                <p:cTn id="17" presetID="1" presetClass="entr" presetSubtype="0" fill="hold" nodeType="withEffect">
+                                  <p:stCondLst>
+                                    <p:cond delay="0"/>
+                                  </p:stCondLst>
+                                  <p:childTnLst>
+                                    <p:set>
+                                      <p:cBhvr>
+                                        <p:cTn id="18" dur="1" fill="hold">
+                                          <p:stCondLst>
+                                            <p:cond delay="0"/>
+                                          </p:stCondLst>
+                                        </p:cTn>
+                                        <p:tgtEl>
+                                          <p:spTgt spid="3">
+                                            <p:txEl>
+                                              <p:pRg st="5" end="5"/>
+                                            </p:txEl>
+                                          </p:spTgt>
+                                        </p:tgtEl>
+                                        <p:attrNameLst>
+                                          <p:attrName>style.visibility</p:attrName>
+                                        </p:attrNameLst>
+                                      </p:cBhvr>
+                                      <p:to>
+                                        <p:strVal val="visible"/>
+                                      </p:to>
+                                    </p:set>
+                                  </p:childTnLst>
+                                </p:cTn>
+                              </p:par>
+                              <p:par>
+                                <p:cTn id="19" presetID="1" presetClass="entr" presetSubtype="0" fill="hold" nodeType="withEffect">
+                                  <p:stCondLst>
+                                    <p:cond delay="0"/>
+                                  </p:stCondLst>
+                                  <p:childTnLst>
+                                    <p:set>
+                                      <p:cBhvr>
+                                        <p:cTn id="20" dur="1" fill="hold">
+                                          <p:stCondLst>
+                                            <p:cond delay="0"/>
+                                          </p:stCondLst>
+                                        </p:cTn>
+                                        <p:tgtEl>
+                                          <p:spTgt spid="3">
+                                            <p:txEl>
+                                              <p:pRg st="6" end="6"/>
+                                            </p:txEl>
+                                          </p:spTgt>
+                                        </p:tgtEl>
+                                        <p:attrNameLst>
+                                          <p:attrName>style.visibility</p:attrName>
+                                        </p:attrNameLst>
+                                      </p:cBhvr>
+                                      <p:to>
+                                        <p:strVal val="visible"/>
+                                      </p:to>
+                                    </p:set>
+                                  </p:childTnLst>
+                                </p:cTn>
+                              </p:par>
+                            </p:childTnLst>
+                          </p:cTn>
+                        </p:par>
+                      </p:childTnLst>
+                    </p:cTn>
+                  </p:par>
+                </p:childTnLst>
+              </p:cTn>
+              <p:prevCondLst>
+                <p:cond evt="onPrev" delay="0">
+                  <p:tgtEl>
+                    <p:sldTgt/>
+                  </p:tgtEl>
+                </p:cond>
+              </p:prevCondLst>
+              <p:nextCondLst>
+                <p:cond evt="onNext" delay="0">
+                  <p:tgtEl>
+                    <p:sldTgt/>
+                  </p:tgtEl>
+                </p:cond>
+              </p:nextCondLst>
+            </p:seq>
+          </p:childTnLst>
+        </p:cTn>
+      </p:par>
+    </p:tnLst>
+  </p:timing>
 </p:sld>
 </file>
 
